--- a/客戶名單管理系統後端 API.pptx
+++ b/客戶名單管理系統後端 API.pptx
@@ -111,6 +111,11 @@
       </a:defRPr>
     </a:lvl9pPr>
   </p:defaultTextStyle>
+  <p:extLst>
+    <p:ext uri="{EFAFB233-063F-42B5-8137-9DF3F51BA10A}">
+      <p15:sldGuideLst xmlns:p15="http://schemas.microsoft.com/office/powerpoint/2012/main"/>
+    </p:ext>
+  </p:extLst>
 </p:presentation>
 </file>
 
@@ -4017,15 +4022,39 @@
             <p:ph type="subTitle" idx="1"/>
           </p:nvPr>
         </p:nvSpPr>
-        <p:spPr/>
-        <p:txBody>
-          <a:bodyPr/>
+        <p:spPr>
+          <a:xfrm>
+            <a:off x="1069848" y="4389120"/>
+            <a:ext cx="7891272" cy="1198220"/>
+          </a:xfrm>
+        </p:spPr>
+        <p:txBody>
+          <a:bodyPr>
+            <a:normAutofit fontScale="92500" lnSpcReduction="10000"/>
+          </a:bodyPr>
           <a:lstStyle/>
           <a:p>
             <a:r>
               <a:rPr lang="zh-TW" altLang="en-US" dirty="0"/>
               <a:t>許博竣</a:t>
             </a:r>
+            <a:endParaRPr lang="en-US" altLang="zh-TW" dirty="0"/>
+          </a:p>
+          <a:p>
+            <a:r>
+              <a:rPr lang="zh-TW" altLang="en-US" dirty="0"/>
+              <a:t>展示程式碼之網址</a:t>
+            </a:r>
+            <a:endParaRPr lang="en-US" altLang="zh-TW" dirty="0"/>
+          </a:p>
+          <a:p>
+            <a:r>
+              <a:rPr lang="en-US" altLang="zh-TW" dirty="0">
+                <a:hlinkClick r:id="rId2"/>
+              </a:rPr>
+              <a:t>https://two025-5-project.onrender.com/main</a:t>
+            </a:r>
+            <a:endParaRPr lang="zh-TW" altLang="en-US" dirty="0"/>
           </a:p>
         </p:txBody>
       </p:sp>

--- a/客戶名單管理系統後端 API.pptx
+++ b/客戶名單管理系統後端 API.pptx
@@ -522,7 +522,7 @@
           <a:p>
             <a:fld id="{83284890-85D2-4D7B-8EF5-15A9C1DB8F42}" type="datetimeFigureOut">
               <a:rPr lang="en-US" dirty="0"/>
-              <a:t>5/8/2025</a:t>
+              <a:t>5/9/2025</a:t>
             </a:fld>
             <a:endParaRPr lang="en-US" dirty="0"/>
           </a:p>
@@ -697,7 +697,7 @@
           <a:p>
             <a:fld id="{87157CC2-0FC8-4686-B024-99790E0F5162}" type="datetimeFigureOut">
               <a:rPr lang="en-US" dirty="0"/>
-              <a:t>5/8/2025</a:t>
+              <a:t>5/9/2025</a:t>
             </a:fld>
             <a:endParaRPr lang="en-US" dirty="0"/>
           </a:p>
@@ -872,7 +872,7 @@
           <a:p>
             <a:fld id="{F6764DA5-CD3D-4590-A511-FCD3BC7A793E}" type="datetimeFigureOut">
               <a:rPr lang="en-US" dirty="0"/>
-              <a:t>5/8/2025</a:t>
+              <a:t>5/9/2025</a:t>
             </a:fld>
             <a:endParaRPr lang="en-US" dirty="0"/>
           </a:p>
@@ -1037,7 +1037,7 @@
           <a:p>
             <a:fld id="{82F5661D-6934-4B32-B92C-470368BF1EC6}" type="datetimeFigureOut">
               <a:rPr lang="en-US" dirty="0"/>
-              <a:t>5/8/2025</a:t>
+              <a:t>5/9/2025</a:t>
             </a:fld>
             <a:endParaRPr lang="en-US" dirty="0"/>
           </a:p>
@@ -1345,7 +1345,7 @@
           <a:p>
             <a:fld id="{C6F822A4-8DA6-4447-9B1F-C5DB58435268}" type="datetimeFigureOut">
               <a:rPr lang="en-US" dirty="0"/>
-              <a:t>5/8/2025</a:t>
+              <a:t>5/9/2025</a:t>
             </a:fld>
             <a:endParaRPr lang="en-US" dirty="0"/>
           </a:p>
@@ -1727,7 +1727,7 @@
           <a:p>
             <a:fld id="{E548D31E-DCDA-41A7-9C67-C4B11B94D21D}" type="datetimeFigureOut">
               <a:rPr lang="en-US" dirty="0"/>
-              <a:t>5/8/2025</a:t>
+              <a:t>5/9/2025</a:t>
             </a:fld>
             <a:endParaRPr lang="en-US" dirty="0"/>
           </a:p>
@@ -2156,7 +2156,7 @@
           <a:p>
             <a:fld id="{9B3762C0-B258-48F1-ADE6-176B4174CCDD}" type="datetimeFigureOut">
               <a:rPr lang="en-US" dirty="0"/>
-              <a:t>5/8/2025</a:t>
+              <a:t>5/9/2025</a:t>
             </a:fld>
             <a:endParaRPr lang="en-US" dirty="0"/>
           </a:p>
@@ -2269,7 +2269,7 @@
           <a:p>
             <a:fld id="{677919A6-33EB-49BD-A62F-1FA56B9F9712}" type="datetimeFigureOut">
               <a:rPr lang="en-US" dirty="0"/>
-              <a:t>5/8/2025</a:t>
+              <a:t>5/9/2025</a:t>
             </a:fld>
             <a:endParaRPr lang="en-US" dirty="0"/>
           </a:p>
@@ -2359,7 +2359,7 @@
           <a:p>
             <a:fld id="{CA4E7D1B-D673-4CF6-8672-009D42ABD2A0}" type="datetimeFigureOut">
               <a:rPr lang="en-US" dirty="0"/>
-              <a:t>5/8/2025</a:t>
+              <a:t>5/9/2025</a:t>
             </a:fld>
             <a:endParaRPr lang="en-US" dirty="0"/>
           </a:p>
@@ -2704,7 +2704,7 @@
           <a:p>
             <a:fld id="{DA16AA21-1863-4931-97CB-99D0A168701B}" type="datetimeFigureOut">
               <a:rPr lang="en-US" dirty="0"/>
-              <a:t>5/8/2025</a:t>
+              <a:t>5/9/2025</a:t>
             </a:fld>
             <a:endParaRPr lang="en-US" dirty="0"/>
           </a:p>
@@ -3124,7 +3124,7 @@
           <a:p>
             <a:fld id="{3772C379-9A7C-4C87-A116-CBE9F58B04C5}" type="datetimeFigureOut">
               <a:rPr lang="en-US" dirty="0"/>
-              <a:t>5/8/2025</a:t>
+              <a:t>5/9/2025</a:t>
             </a:fld>
             <a:endParaRPr lang="en-US" dirty="0"/>
           </a:p>
@@ -3400,7 +3400,7 @@
           <a:p>
             <a:fld id="{8664C608-40B1-4030-A28D-5B74BC98ADCE}" type="datetimeFigureOut">
               <a:rPr lang="en-US" dirty="0"/>
-              <a:t>5/8/2025</a:t>
+              <a:t>5/9/2025</a:t>
             </a:fld>
             <a:endParaRPr lang="en-US" dirty="0"/>
           </a:p>
@@ -5402,7 +5402,7 @@
         </p:blipFill>
         <p:spPr>
           <a:xfrm>
-            <a:off x="1130300" y="1094891"/>
+            <a:off x="1315875" y="2359050"/>
             <a:ext cx="8579077" cy="1426059"/>
           </a:xfrm>
           <a:prstGeom prst="rect">
@@ -5426,7 +5426,7 @@
         </p:nvSpPr>
         <p:spPr>
           <a:xfrm>
-            <a:off x="1130300" y="2832354"/>
+            <a:off x="1315875" y="3912761"/>
             <a:ext cx="10058400" cy="596646"/>
           </a:xfrm>
           <a:prstGeom prst="rect">
@@ -5717,7 +5717,7 @@
         </p:blipFill>
         <p:spPr>
           <a:xfrm>
-            <a:off x="1231900" y="3740404"/>
+            <a:off x="1315875" y="4637059"/>
             <a:ext cx="8793432" cy="1225665"/>
           </a:xfrm>
           <a:prstGeom prst="rect">
@@ -5741,7 +5741,7 @@
         </p:nvSpPr>
         <p:spPr>
           <a:xfrm>
-            <a:off x="1231900" y="5378704"/>
+            <a:off x="1315875" y="5901218"/>
             <a:ext cx="10058400" cy="596646"/>
           </a:xfrm>
           <a:prstGeom prst="rect">
@@ -6018,6 +6018,321 @@
           </a:p>
         </p:txBody>
       </p:sp>
+      <p:pic>
+        <p:nvPicPr>
+          <p:cNvPr id="3" name="圖片 2" descr="一張含有 文字, 字型, 螢幕擷取畫面 的圖片&#10;&#10;AI-generated content may be incorrect.">
+            <a:extLst>
+              <a:ext uri="{FF2B5EF4-FFF2-40B4-BE49-F238E27FC236}">
+                <a16:creationId xmlns:a16="http://schemas.microsoft.com/office/drawing/2014/main" id="{901058D3-BB24-0F89-540C-326DC60A256C}"/>
+              </a:ext>
+            </a:extLst>
+          </p:cNvPr>
+          <p:cNvPicPr>
+            <a:picLocks noChangeAspect="1"/>
+          </p:cNvPicPr>
+          <p:nvPr/>
+        </p:nvPicPr>
+        <p:blipFill>
+          <a:blip r:embed="rId4"/>
+          <a:stretch>
+            <a:fillRect/>
+          </a:stretch>
+        </p:blipFill>
+        <p:spPr>
+          <a:xfrm>
+            <a:off x="1315875" y="243869"/>
+            <a:ext cx="3620005" cy="1238423"/>
+          </a:xfrm>
+          <a:prstGeom prst="rect">
+            <a:avLst/>
+          </a:prstGeom>
+        </p:spPr>
+      </p:pic>
+      <p:sp>
+        <p:nvSpPr>
+          <p:cNvPr id="4" name="內容版面配置區 2">
+            <a:extLst>
+              <a:ext uri="{FF2B5EF4-FFF2-40B4-BE49-F238E27FC236}">
+                <a16:creationId xmlns:a16="http://schemas.microsoft.com/office/drawing/2014/main" id="{22F1E9A6-E586-A4F6-F78E-3F6396E298C5}"/>
+              </a:ext>
+            </a:extLst>
+          </p:cNvPr>
+          <p:cNvSpPr txBox="1">
+            <a:spLocks/>
+          </p:cNvSpPr>
+          <p:nvPr/>
+        </p:nvSpPr>
+        <p:spPr>
+          <a:xfrm>
+            <a:off x="1315875" y="1634752"/>
+            <a:ext cx="10058400" cy="596646"/>
+          </a:xfrm>
+          <a:prstGeom prst="rect">
+            <a:avLst/>
+          </a:prstGeom>
+        </p:spPr>
+        <p:txBody>
+          <a:bodyPr vert="horz" lIns="91440" tIns="45720" rIns="91440" bIns="45720" rtlCol="0">
+            <a:normAutofit/>
+          </a:bodyPr>
+          <a:lstStyle>
+            <a:lvl1pPr marL="182880" indent="-182880" algn="l" defTabSz="914400" rtl="0" eaLnBrk="1" latinLnBrk="0" hangingPunct="1">
+              <a:lnSpc>
+                <a:spcPct val="90000"/>
+              </a:lnSpc>
+              <a:spcBef>
+                <a:spcPts val="1200"/>
+              </a:spcBef>
+              <a:buClr>
+                <a:schemeClr val="accent1">
+                  <a:lumMod val="75000"/>
+                </a:schemeClr>
+              </a:buClr>
+              <a:buSzPct val="85000"/>
+              <a:buFont typeface="Wingdings" pitchFamily="2" charset="2"/>
+              <a:buChar char="§"/>
+              <a:defRPr sz="2000" kern="1200">
+                <a:solidFill>
+                  <a:schemeClr val="tx1"/>
+                </a:solidFill>
+                <a:latin typeface="+mn-lt"/>
+                <a:ea typeface="+mn-ea"/>
+                <a:cs typeface="+mn-cs"/>
+              </a:defRPr>
+            </a:lvl1pPr>
+            <a:lvl2pPr marL="457200" indent="-182880" algn="l" defTabSz="914400" rtl="0" eaLnBrk="1" latinLnBrk="0" hangingPunct="1">
+              <a:lnSpc>
+                <a:spcPct val="90000"/>
+              </a:lnSpc>
+              <a:spcBef>
+                <a:spcPts val="400"/>
+              </a:spcBef>
+              <a:spcAft>
+                <a:spcPts val="200"/>
+              </a:spcAft>
+              <a:buClr>
+                <a:schemeClr val="accent1">
+                  <a:lumMod val="75000"/>
+                </a:schemeClr>
+              </a:buClr>
+              <a:buSzPct val="85000"/>
+              <a:buFont typeface="Wingdings" pitchFamily="2" charset="2"/>
+              <a:buChar char="§"/>
+              <a:defRPr sz="1800" kern="1200">
+                <a:solidFill>
+                  <a:schemeClr val="tx1"/>
+                </a:solidFill>
+                <a:latin typeface="+mn-lt"/>
+                <a:ea typeface="+mn-ea"/>
+                <a:cs typeface="+mn-cs"/>
+              </a:defRPr>
+            </a:lvl2pPr>
+            <a:lvl3pPr marL="731520" indent="-182880" algn="l" defTabSz="914400" rtl="0" eaLnBrk="1" latinLnBrk="0" hangingPunct="1">
+              <a:lnSpc>
+                <a:spcPct val="90000"/>
+              </a:lnSpc>
+              <a:spcBef>
+                <a:spcPts val="400"/>
+              </a:spcBef>
+              <a:spcAft>
+                <a:spcPts val="200"/>
+              </a:spcAft>
+              <a:buClr>
+                <a:schemeClr val="accent1">
+                  <a:lumMod val="75000"/>
+                </a:schemeClr>
+              </a:buClr>
+              <a:buSzPct val="85000"/>
+              <a:buFont typeface="Wingdings" pitchFamily="2" charset="2"/>
+              <a:buChar char="§"/>
+              <a:defRPr sz="1600" kern="1200">
+                <a:solidFill>
+                  <a:schemeClr val="tx1"/>
+                </a:solidFill>
+                <a:latin typeface="+mn-lt"/>
+                <a:ea typeface="+mn-ea"/>
+                <a:cs typeface="+mn-cs"/>
+              </a:defRPr>
+            </a:lvl3pPr>
+            <a:lvl4pPr marL="1005840" indent="-182880" algn="l" defTabSz="914400" rtl="0" eaLnBrk="1" latinLnBrk="0" hangingPunct="1">
+              <a:lnSpc>
+                <a:spcPct val="90000"/>
+              </a:lnSpc>
+              <a:spcBef>
+                <a:spcPts val="400"/>
+              </a:spcBef>
+              <a:spcAft>
+                <a:spcPts val="200"/>
+              </a:spcAft>
+              <a:buClr>
+                <a:schemeClr val="accent1">
+                  <a:lumMod val="75000"/>
+                </a:schemeClr>
+              </a:buClr>
+              <a:buSzPct val="85000"/>
+              <a:buFont typeface="Wingdings" pitchFamily="2" charset="2"/>
+              <a:buChar char="§"/>
+              <a:defRPr sz="1600" kern="1200">
+                <a:solidFill>
+                  <a:schemeClr val="tx1"/>
+                </a:solidFill>
+                <a:latin typeface="+mn-lt"/>
+                <a:ea typeface="+mn-ea"/>
+                <a:cs typeface="+mn-cs"/>
+              </a:defRPr>
+            </a:lvl4pPr>
+            <a:lvl5pPr marL="1280160" indent="-182880" algn="l" defTabSz="914400" rtl="0" eaLnBrk="1" latinLnBrk="0" hangingPunct="1">
+              <a:lnSpc>
+                <a:spcPct val="90000"/>
+              </a:lnSpc>
+              <a:spcBef>
+                <a:spcPts val="400"/>
+              </a:spcBef>
+              <a:spcAft>
+                <a:spcPts val="200"/>
+              </a:spcAft>
+              <a:buClr>
+                <a:schemeClr val="accent1">
+                  <a:lumMod val="75000"/>
+                </a:schemeClr>
+              </a:buClr>
+              <a:buSzPct val="85000"/>
+              <a:buFont typeface="Wingdings" pitchFamily="2" charset="2"/>
+              <a:buChar char="§"/>
+              <a:defRPr sz="1600" kern="1200">
+                <a:solidFill>
+                  <a:schemeClr val="tx1"/>
+                </a:solidFill>
+                <a:latin typeface="+mn-lt"/>
+                <a:ea typeface="+mn-ea"/>
+                <a:cs typeface="+mn-cs"/>
+              </a:defRPr>
+            </a:lvl5pPr>
+            <a:lvl6pPr marL="1600000" indent="-228600" algn="l" defTabSz="914400" rtl="0" eaLnBrk="1" latinLnBrk="0" hangingPunct="1">
+              <a:lnSpc>
+                <a:spcPct val="90000"/>
+              </a:lnSpc>
+              <a:spcBef>
+                <a:spcPts val="400"/>
+              </a:spcBef>
+              <a:spcAft>
+                <a:spcPts val="200"/>
+              </a:spcAft>
+              <a:buClr>
+                <a:schemeClr val="accent1">
+                  <a:lumMod val="75000"/>
+                </a:schemeClr>
+              </a:buClr>
+              <a:buSzPct val="85000"/>
+              <a:buFont typeface="Wingdings" pitchFamily="2" charset="2"/>
+              <a:buChar char="§"/>
+              <a:defRPr sz="1600" kern="1200">
+                <a:solidFill>
+                  <a:schemeClr val="tx1"/>
+                </a:solidFill>
+                <a:latin typeface="+mn-lt"/>
+                <a:ea typeface="+mn-ea"/>
+                <a:cs typeface="+mn-cs"/>
+              </a:defRPr>
+            </a:lvl6pPr>
+            <a:lvl7pPr marL="1900000" indent="-228600" algn="l" defTabSz="914400" rtl="0" eaLnBrk="1" latinLnBrk="0" hangingPunct="1">
+              <a:lnSpc>
+                <a:spcPct val="90000"/>
+              </a:lnSpc>
+              <a:spcBef>
+                <a:spcPts val="400"/>
+              </a:spcBef>
+              <a:spcAft>
+                <a:spcPts val="200"/>
+              </a:spcAft>
+              <a:buClr>
+                <a:schemeClr val="accent1">
+                  <a:lumMod val="75000"/>
+                </a:schemeClr>
+              </a:buClr>
+              <a:buSzPct val="85000"/>
+              <a:buFont typeface="Wingdings" pitchFamily="2" charset="2"/>
+              <a:buChar char="§"/>
+              <a:defRPr sz="1600" kern="1200">
+                <a:solidFill>
+                  <a:schemeClr val="tx1"/>
+                </a:solidFill>
+                <a:latin typeface="+mn-lt"/>
+                <a:ea typeface="+mn-ea"/>
+                <a:cs typeface="+mn-cs"/>
+              </a:defRPr>
+            </a:lvl7pPr>
+            <a:lvl8pPr marL="2200000" indent="-228600" algn="l" defTabSz="914400" rtl="0" eaLnBrk="1" latinLnBrk="0" hangingPunct="1">
+              <a:lnSpc>
+                <a:spcPct val="90000"/>
+              </a:lnSpc>
+              <a:spcBef>
+                <a:spcPts val="400"/>
+              </a:spcBef>
+              <a:spcAft>
+                <a:spcPts val="200"/>
+              </a:spcAft>
+              <a:buClr>
+                <a:schemeClr val="accent1">
+                  <a:lumMod val="75000"/>
+                </a:schemeClr>
+              </a:buClr>
+              <a:buSzPct val="85000"/>
+              <a:buFont typeface="Wingdings" pitchFamily="2" charset="2"/>
+              <a:buChar char="§"/>
+              <a:defRPr sz="1600" kern="1200">
+                <a:solidFill>
+                  <a:schemeClr val="tx1"/>
+                </a:solidFill>
+                <a:latin typeface="+mn-lt"/>
+                <a:ea typeface="+mn-ea"/>
+                <a:cs typeface="+mn-cs"/>
+              </a:defRPr>
+            </a:lvl8pPr>
+            <a:lvl9pPr marL="2500000" indent="-228600" algn="l" defTabSz="914400" rtl="0" eaLnBrk="1" latinLnBrk="0" hangingPunct="1">
+              <a:lnSpc>
+                <a:spcPct val="90000"/>
+              </a:lnSpc>
+              <a:spcBef>
+                <a:spcPts val="400"/>
+              </a:spcBef>
+              <a:spcAft>
+                <a:spcPts val="200"/>
+              </a:spcAft>
+              <a:buClr>
+                <a:schemeClr val="accent1">
+                  <a:lumMod val="75000"/>
+                </a:schemeClr>
+              </a:buClr>
+              <a:buSzPct val="85000"/>
+              <a:buFont typeface="Wingdings" pitchFamily="2" charset="2"/>
+              <a:buChar char="§"/>
+              <a:defRPr sz="1600" kern="1200">
+                <a:solidFill>
+                  <a:schemeClr val="tx1"/>
+                </a:solidFill>
+                <a:latin typeface="+mn-lt"/>
+                <a:ea typeface="+mn-ea"/>
+                <a:cs typeface="+mn-cs"/>
+              </a:defRPr>
+            </a:lvl9pPr>
+          </a:lstStyle>
+          <a:p>
+            <a:r>
+              <a:rPr lang="zh-TW" altLang="en-US" dirty="0"/>
+              <a:t>採用</a:t>
+            </a:r>
+            <a:r>
+              <a:rPr lang="en-US" altLang="zh-TW" dirty="0"/>
+              <a:t>Redis</a:t>
+            </a:r>
+            <a:r>
+              <a:rPr lang="zh-TW" altLang="en-US" dirty="0"/>
+              <a:t>建立快取，以減少資料庫頻繁讀取的負擔。</a:t>
+            </a:r>
+          </a:p>
+        </p:txBody>
+      </p:sp>
     </p:spTree>
     <p:extLst>
       <p:ext uri="{BB962C8B-B14F-4D97-AF65-F5344CB8AC3E}">
